--- a/Automationdashboard/MAIN_FOLDER/Automation_Dashboard_Batterywise/V2/D11_03_2024/B4_BT06_13.03_13.56/analysis_B4_BT06_13.03_13.56.pptx
+++ b/Automationdashboard/MAIN_FOLDER/Automation_Dashboard_Batterywise/V2/D11_03_2024/B4_BT06_13.03_13.56/analysis_B4_BT06_13.03_13.56.pptx
@@ -3246,7 +3246,7 @@
                     <a:lstStyle/>
                     <a:p>
                       <a:r>
-                        <a:t>0 days 00:50:13.716000</a:t>
+                        <a:t>0 days 00:49:47.380000</a:t>
                       </a:r>
                     </a:p>
                   </a:txBody>
@@ -3272,7 +3272,7 @@
                     <a:lstStyle/>
                     <a:p>
                       <a:r>
-                        <a:t>27.04170027777778</a:t>
+                        <a:t>27.03906388888889</a:t>
                       </a:r>
                     </a:p>
                   </a:txBody>
@@ -3298,7 +3298,7 @@
                     <a:lstStyle/>
                     <a:p>
                       <a:r>
-                        <a:t>1368.2177338797221</a:t>
+                        <a:t>1368.0779166213888</a:t>
                       </a:r>
                     </a:p>
                   </a:txBody>
@@ -3376,6 +3376,32 @@
                     <a:lstStyle/>
                     <a:p>
                       <a:r>
+                        <a:t>95.0</a:t>
+                      </a:r>
+                    </a:p>
+                  </a:txBody>
+                  <a:tcPr/>
+                </a:tc>
+              </a:tr>
+              <a:tr h="326571">
+                <a:tc>
+                  <a:txBody>
+                    <a:bodyPr/>
+                    <a:lstStyle/>
+                    <a:p>
+                      <a:r>
+                        <a:t>Ending SoC (%)</a:t>
+                      </a:r>
+                    </a:p>
+                  </a:txBody>
+                  <a:tcPr/>
+                </a:tc>
+                <a:tc>
+                  <a:txBody>
+                    <a:bodyPr/>
+                    <a:lstStyle/>
+                    <a:p>
+                      <a:r>
                         <a:t>25.0</a:t>
                       </a:r>
                     </a:p>
@@ -3390,19 +3416,19 @@
                     <a:lstStyle/>
                     <a:p>
                       <a:r>
-                        <a:t>Ending SoC (%)</a:t>
-                      </a:r>
-                    </a:p>
-                  </a:txBody>
-                  <a:tcPr/>
-                </a:tc>
-                <a:tc>
-                  <a:txBody>
-                    <a:bodyPr/>
-                    <a:lstStyle/>
-                    <a:p>
-                      <a:r>
-                        <a:t>95.0</a:t>
+                        <a:t>Total distance covered (km)</a:t>
+                      </a:r>
+                    </a:p>
+                  </a:txBody>
+                  <a:tcPr/>
+                </a:tc>
+                <a:tc>
+                  <a:txBody>
+                    <a:bodyPr/>
+                    <a:lstStyle/>
+                    <a:p>
+                      <a:r>
+                        <a:t>26.02318639069645</a:t>
                       </a:r>
                     </a:p>
                   </a:txBody>
@@ -3416,19 +3442,19 @@
                     <a:lstStyle/>
                     <a:p>
                       <a:r>
-                        <a:t>Total distance covered (in kilometers)</a:t>
-                      </a:r>
-                    </a:p>
-                  </a:txBody>
-                  <a:tcPr/>
-                </a:tc>
-                <a:tc>
-                  <a:txBody>
-                    <a:bodyPr/>
-                    <a:lstStyle/>
-                    <a:p>
-                      <a:r>
-                        <a:t>26.02395091125489</a:t>
+                        <a:t>Total energy consumption(WH/KM)</a:t>
+                      </a:r>
+                    </a:p>
+                  </a:txBody>
+                  <a:tcPr/>
+                </a:tc>
+                <a:tc>
+                  <a:txBody>
+                    <a:bodyPr/>
+                    <a:lstStyle/>
+                    <a:p>
+                      <a:r>
+                        <a:t>52.57149897333443</a:t>
                       </a:r>
                     </a:p>
                   </a:txBody>
@@ -3442,19 +3468,19 @@
                     <a:lstStyle/>
                     <a:p>
                       <a:r>
-                        <a:t>WH/KM</a:t>
-                      </a:r>
-                    </a:p>
-                  </a:txBody>
-                  <a:tcPr/>
-                </a:tc>
-                <a:tc>
-                  <a:txBody>
-                    <a:bodyPr/>
-                    <a:lstStyle/>
-                    <a:p>
-                      <a:r>
-                        <a:t>52.575327187848046</a:t>
+                        <a:t>Total SOC consumed(%)</a:t>
+                      </a:r>
+                    </a:p>
+                  </a:txBody>
+                  <a:tcPr/>
+                </a:tc>
+                <a:tc>
+                  <a:txBody>
+                    <a:bodyPr/>
+                    <a:lstStyle/>
+                    <a:p>
+                      <a:r>
+                        <a:t>70.0</a:t>
                       </a:r>
                     </a:p>
                   </a:txBody>
@@ -3468,19 +3494,44 @@
                     <a:lstStyle/>
                     <a:p>
                       <a:r>
-                        <a:t>Total SOC consumed</a:t>
-                      </a:r>
-                    </a:p>
-                  </a:txBody>
-                  <a:tcPr/>
-                </a:tc>
-                <a:tc>
-                  <a:txBody>
-                    <a:bodyPr/>
-                    <a:lstStyle/>
-                    <a:p>
-                      <a:r>
-                        <a:t>70.0</a:t>
+                        <a:t>Mode</a:t>
+                      </a:r>
+                    </a:p>
+                  </a:txBody>
+                  <a:tcPr/>
+                </a:tc>
+                <a:tc>
+                  <a:txBody>
+                    <a:bodyPr/>
+                    <a:lstStyle/>
+                    <a:p>
+                      <a:r>
+                        <a:t>Custom mode</a:t>
+                      </a:r>
+                    </a:p>
+                    <a:p>
+                      <a:r>
+                        <a:t>71.73%</a:t>
+                      </a:r>
+                    </a:p>
+                    <a:p>
+                      <a:r>
+                        <a:t>Eco mode</a:t>
+                      </a:r>
+                    </a:p>
+                    <a:p>
+                      <a:r>
+                        <a:t>8.49%</a:t>
+                      </a:r>
+                    </a:p>
+                    <a:p>
+                      <a:r>
+                        <a:t>Sports mode</a:t>
+                      </a:r>
+                    </a:p>
+                    <a:p>
+                      <a:r>
+                        <a:t>0.07%</a:t>
                       </a:r>
                     </a:p>
                   </a:txBody>
@@ -3494,58 +3545,7 @@
                     <a:lstStyle/>
                     <a:p>
                       <a:r>
-                        <a:t>Mode</a:t>
-                      </a:r>
-                    </a:p>
-                  </a:txBody>
-                  <a:tcPr/>
-                </a:tc>
-                <a:tc>
-                  <a:txBody>
-                    <a:bodyPr/>
-                    <a:lstStyle/>
-                    <a:p>
-                      <a:r>
-                        <a:t>Custom mode</a:t>
-                      </a:r>
-                    </a:p>
-                    <a:p>
-                      <a:r>
-                        <a:t>71.62%</a:t>
-                      </a:r>
-                    </a:p>
-                    <a:p>
-                      <a:r>
-                        <a:t>Eco mode</a:t>
-                      </a:r>
-                    </a:p>
-                    <a:p>
-                      <a:r>
-                        <a:t>8.79%</a:t>
-                      </a:r>
-                    </a:p>
-                    <a:p>
-                      <a:r>
-                        <a:t>Sports mode</a:t>
-                      </a:r>
-                    </a:p>
-                    <a:p>
-                      <a:r>
-                        <a:t>0.07%</a:t>
-                      </a:r>
-                    </a:p>
-                  </a:txBody>
-                  <a:tcPr/>
-                </a:tc>
-              </a:tr>
-              <a:tr h="326571">
-                <a:tc>
-                  <a:txBody>
-                    <a:bodyPr/>
-                    <a:lstStyle/>
-                    <a:p>
-                      <a:r>
-                        <a:t>Peak Power</a:t>
+                        <a:t>Peak Power(kW)</a:t>
                       </a:r>
                     </a:p>
                   </a:txBody>
@@ -3571,19 +3571,19 @@
                     <a:lstStyle/>
                     <a:p>
                       <a:r>
-                        <a:t>Average Power</a:t>
-                      </a:r>
-                    </a:p>
-                  </a:txBody>
-                  <a:tcPr/>
-                </a:tc>
-                <a:tc>
-                  <a:txBody>
-                    <a:bodyPr/>
-                    <a:lstStyle/>
-                    <a:p>
-                      <a:r>
-                        <a:t>-1637.4946283134973</a:t>
+                        <a:t>Average Power(kW)</a:t>
+                      </a:r>
+                    </a:p>
+                  </a:txBody>
+                  <a:tcPr/>
+                </a:tc>
+                <a:tc>
+                  <a:txBody>
+                    <a:bodyPr/>
+                    <a:lstStyle/>
+                    <a:p>
+                      <a:r>
+                        <a:t>-1652.157161971486</a:t>
                       </a:r>
                     </a:p>
                   </a:txBody>
@@ -3688,7 +3688,7 @@
                     <a:lstStyle/>
                     <a:p>
                       <a:r>
-                        <a:t>Total Energy Regenerated</a:t>
+                        <a:t>Total Energy Regenerated(kWh)</a:t>
                       </a:r>
                     </a:p>
                   </a:txBody>
@@ -3714,19 +3714,19 @@
                     <a:lstStyle/>
                     <a:p>
                       <a:r>
-                        <a:t>Regenerative Effectiveness</a:t>
-                      </a:r>
-                    </a:p>
-                  </a:txBody>
-                  <a:tcPr/>
-                </a:tc>
-                <a:tc>
-                  <a:txBody>
-                    <a:bodyPr/>
-                    <a:lstStyle/>
-                    <a:p>
-                      <a:r>
-                        <a:t>-0.044290520932789554</a:t>
+                        <a:t>Regenerative Effectiveness(%)</a:t>
+                      </a:r>
+                    </a:p>
+                  </a:txBody>
+                  <a:tcPr/>
+                </a:tc>
+                <a:tc>
+                  <a:txBody>
+                    <a:bodyPr/>
+                    <a:lstStyle/>
+                    <a:p>
+                      <a:r>
+                        <a:t>0.044295045409155985</a:t>
                       </a:r>
                     </a:p>
                   </a:txBody>
@@ -3740,7 +3740,33 @@
                     <a:lstStyle/>
                     <a:p>
                       <a:r>
-                        <a:t>Lowest Cell Voltage</a:t>
+                        <a:t>Highest Cell Voltage(V)</a:t>
+                      </a:r>
+                    </a:p>
+                  </a:txBody>
+                  <a:tcPr/>
+                </a:tc>
+                <a:tc>
+                  <a:txBody>
+                    <a:bodyPr/>
+                    <a:lstStyle/>
+                    <a:p>
+                      <a:r>
+                        <a:t>3.345</a:t>
+                      </a:r>
+                    </a:p>
+                  </a:txBody>
+                  <a:tcPr/>
+                </a:tc>
+              </a:tr>
+              <a:tr h="326571">
+                <a:tc>
+                  <a:txBody>
+                    <a:bodyPr/>
+                    <a:lstStyle/>
+                    <a:p>
+                      <a:r>
+                        <a:t>Lowest Cell Voltage(V)</a:t>
                       </a:r>
                     </a:p>
                   </a:txBody>
@@ -3766,19 +3792,19 @@
                     <a:lstStyle/>
                     <a:p>
                       <a:r>
-                        <a:t>Highest Cell Voltage</a:t>
-                      </a:r>
-                    </a:p>
-                  </a:txBody>
-                  <a:tcPr/>
-                </a:tc>
-                <a:tc>
-                  <a:txBody>
-                    <a:bodyPr/>
-                    <a:lstStyle/>
-                    <a:p>
-                      <a:r>
-                        <a:t>3.345</a:t>
+                        <a:t>Difference in Cell Voltage(V)</a:t>
+                      </a:r>
+                    </a:p>
+                  </a:txBody>
+                  <a:tcPr/>
+                </a:tc>
+                <a:tc>
+                  <a:txBody>
+                    <a:bodyPr/>
+                    <a:lstStyle/>
+                    <a:p>
+                      <a:r>
+                        <a:t>0.3450000000000002</a:t>
                       </a:r>
                     </a:p>
                   </a:txBody>
@@ -3792,19 +3818,19 @@
                     <a:lstStyle/>
                     <a:p>
                       <a:r>
-                        <a:t>Difference in Cell Voltage</a:t>
-                      </a:r>
-                    </a:p>
-                  </a:txBody>
-                  <a:tcPr/>
-                </a:tc>
-                <a:tc>
-                  <a:txBody>
-                    <a:bodyPr/>
-                    <a:lstStyle/>
-                    <a:p>
-                      <a:r>
-                        <a:t>0.3450000000000002</a:t>
+                        <a:t>Minimum Temperature(C)</a:t>
+                      </a:r>
+                    </a:p>
+                  </a:txBody>
+                  <a:tcPr/>
+                </a:tc>
+                <a:tc>
+                  <a:txBody>
+                    <a:bodyPr/>
+                    <a:lstStyle/>
+                    <a:p>
+                      <a:r>
+                        <a:t>37.0</a:t>
                       </a:r>
                     </a:p>
                   </a:txBody>
@@ -3818,19 +3844,19 @@
                     <a:lstStyle/>
                     <a:p>
                       <a:r>
-                        <a:t>Minimum Temperature</a:t>
-                      </a:r>
-                    </a:p>
-                  </a:txBody>
-                  <a:tcPr/>
-                </a:tc>
-                <a:tc>
-                  <a:txBody>
-                    <a:bodyPr/>
-                    <a:lstStyle/>
-                    <a:p>
-                      <a:r>
-                        <a:t>37.0</a:t>
+                        <a:t>Maximum Temperature(C)</a:t>
+                      </a:r>
+                    </a:p>
+                  </a:txBody>
+                  <a:tcPr/>
+                </a:tc>
+                <a:tc>
+                  <a:txBody>
+                    <a:bodyPr/>
+                    <a:lstStyle/>
+                    <a:p>
+                      <a:r>
+                        <a:t>47.0</a:t>
                       </a:r>
                     </a:p>
                   </a:txBody>
@@ -3844,19 +3870,19 @@
                     <a:lstStyle/>
                     <a:p>
                       <a:r>
-                        <a:t>Maximum Temperature</a:t>
-                      </a:r>
-                    </a:p>
-                  </a:txBody>
-                  <a:tcPr/>
-                </a:tc>
-                <a:tc>
-                  <a:txBody>
-                    <a:bodyPr/>
-                    <a:lstStyle/>
-                    <a:p>
-                      <a:r>
-                        <a:t>47.0</a:t>
+                        <a:t>Difference in Temperature(C)</a:t>
+                      </a:r>
+                    </a:p>
+                  </a:txBody>
+                  <a:tcPr/>
+                </a:tc>
+                <a:tc>
+                  <a:txBody>
+                    <a:bodyPr/>
+                    <a:lstStyle/>
+                    <a:p>
+                      <a:r>
+                        <a:t>10.0</a:t>
                       </a:r>
                     </a:p>
                   </a:txBody>
@@ -3870,19 +3896,19 @@
                     <a:lstStyle/>
                     <a:p>
                       <a:r>
-                        <a:t>Difference in Temperature</a:t>
-                      </a:r>
-                    </a:p>
-                  </a:txBody>
-                  <a:tcPr/>
-                </a:tc>
-                <a:tc>
-                  <a:txBody>
-                    <a:bodyPr/>
-                    <a:lstStyle/>
-                    <a:p>
-                      <a:r>
-                        <a:t>nan</a:t>
+                        <a:t>Maximum Fet Temperature-BMS(C)</a:t>
+                      </a:r>
+                    </a:p>
+                  </a:txBody>
+                  <a:tcPr/>
+                </a:tc>
+                <a:tc>
+                  <a:txBody>
+                    <a:bodyPr/>
+                    <a:lstStyle/>
+                    <a:p>
+                      <a:r>
+                        <a:t>70.0</a:t>
                       </a:r>
                     </a:p>
                   </a:txBody>
@@ -3896,19 +3922,19 @@
                     <a:lstStyle/>
                     <a:p>
                       <a:r>
-                        <a:t>Maximum Fet Temperature</a:t>
-                      </a:r>
-                    </a:p>
-                  </a:txBody>
-                  <a:tcPr/>
-                </a:tc>
-                <a:tc>
-                  <a:txBody>
-                    <a:bodyPr/>
-                    <a:lstStyle/>
-                    <a:p>
-                      <a:r>
-                        <a:t>70.0</a:t>
+                        <a:t>Maximum Afe Temperature-BMS(C)</a:t>
+                      </a:r>
+                    </a:p>
+                  </a:txBody>
+                  <a:tcPr/>
+                </a:tc>
+                <a:tc>
+                  <a:txBody>
+                    <a:bodyPr/>
+                    <a:lstStyle/>
+                    <a:p>
+                      <a:r>
+                        <a:t>65.0</a:t>
                       </a:r>
                     </a:p>
                   </a:txBody>
@@ -3922,19 +3948,19 @@
                     <a:lstStyle/>
                     <a:p>
                       <a:r>
-                        <a:t>Maximum Afe Temperature</a:t>
-                      </a:r>
-                    </a:p>
-                  </a:txBody>
-                  <a:tcPr/>
-                </a:tc>
-                <a:tc>
-                  <a:txBody>
-                    <a:bodyPr/>
-                    <a:lstStyle/>
-                    <a:p>
-                      <a:r>
-                        <a:t>65.0</a:t>
+                        <a:t>Maximum PCB Temperature-BMS(C)</a:t>
+                      </a:r>
+                    </a:p>
+                  </a:txBody>
+                  <a:tcPr/>
+                </a:tc>
+                <a:tc>
+                  <a:txBody>
+                    <a:bodyPr/>
+                    <a:lstStyle/>
+                    <a:p>
+                      <a:r>
+                        <a:t>66.0</a:t>
                       </a:r>
                     </a:p>
                   </a:txBody>
@@ -3948,33 +3974,7 @@
                     <a:lstStyle/>
                     <a:p>
                       <a:r>
-                        <a:t>Maximum PCB Temperature</a:t>
-                      </a:r>
-                    </a:p>
-                  </a:txBody>
-                  <a:tcPr/>
-                </a:tc>
-                <a:tc>
-                  <a:txBody>
-                    <a:bodyPr/>
-                    <a:lstStyle/>
-                    <a:p>
-                      <a:r>
-                        <a:t>66.0</a:t>
-                      </a:r>
-                    </a:p>
-                  </a:txBody>
-                  <a:tcPr/>
-                </a:tc>
-              </a:tr>
-              <a:tr h="326571">
-                <a:tc>
-                  <a:txBody>
-                    <a:bodyPr/>
-                    <a:lstStyle/>
-                    <a:p>
-                      <a:r>
-                        <a:t>Maximum MCU Temperature</a:t>
+                        <a:t>Maximum MCU Temperature(C)</a:t>
                       </a:r>
                     </a:p>
                   </a:txBody>
@@ -4000,7 +4000,7 @@
                     <a:lstStyle/>
                     <a:p>
                       <a:r>
-                        <a:t>Maximum Motor Temperature</a:t>
+                        <a:t>Maximum Motor Temperature(C)</a:t>
                       </a:r>
                     </a:p>
                   </a:txBody>
@@ -4117,7 +4117,7 @@
                     <a:lstStyle/>
                     <a:p>
                       <a:r>
-                        <a:t>Abnormal Motor Temperature Detected</a:t>
+                        <a:t>Abnormal Motor Temperature Detected(C)</a:t>
                       </a:r>
                     </a:p>
                   </a:txBody>
@@ -4143,7 +4143,7 @@
                     <a:lstStyle/>
                     <a:p>
                       <a:r>
-                        <a:t>lowest cell temp</a:t>
+                        <a:t>highest cell temp(C)</a:t>
                       </a:r>
                     </a:p>
                   </a:txBody>
@@ -4169,7 +4169,7 @@
                     <a:lstStyle/>
                     <a:p>
                       <a:r>
-                        <a:t>highest cell temp</a:t>
+                        <a:t>lowest cell temp(C)</a:t>
                       </a:r>
                     </a:p>
                   </a:txBody>
@@ -4195,7 +4195,7 @@
                     <a:lstStyle/>
                     <a:p>
                       <a:r>
-                        <a:t>Difference between Highest and Lowest Cell Temperature at 100% SOC</a:t>
+                        <a:t>Difference between Highest and Lowest Cell Temperature at 100% SOC(C)</a:t>
                       </a:r>
                     </a:p>
                   </a:txBody>
@@ -4221,19 +4221,19 @@
                     <a:lstStyle/>
                     <a:p>
                       <a:r>
-                        <a:t>Maximum BMS Temperature in C</a:t>
-                      </a:r>
-                    </a:p>
-                  </a:txBody>
-                  <a:tcPr/>
-                </a:tc>
-                <a:tc>
-                  <a:txBody>
-                    <a:bodyPr/>
-                    <a:lstStyle/>
-                    <a:p>
-                      <a:r>
-                        <a:t>70.0</a:t>
+                        <a:t>Battery Voltage(V)</a:t>
+                      </a:r>
+                    </a:p>
+                  </a:txBody>
+                  <a:tcPr/>
+                </a:tc>
+                <a:tc>
+                  <a:txBody>
+                    <a:bodyPr/>
+                    <a:lstStyle/>
+                    <a:p>
+                      <a:r>
+                        <a:t>53.0</a:t>
                       </a:r>
                     </a:p>
                   </a:txBody>
@@ -4247,19 +4247,19 @@
                     <a:lstStyle/>
                     <a:p>
                       <a:r>
-                        <a:t>Battery Voltage</a:t>
-                      </a:r>
-                    </a:p>
-                  </a:txBody>
-                  <a:tcPr/>
-                </a:tc>
-                <a:tc>
-                  <a:txBody>
-                    <a:bodyPr/>
-                    <a:lstStyle/>
-                    <a:p>
-                      <a:r>
-                        <a:t>5.3</a:t>
+                        <a:t>Total energy charged(kWh)</a:t>
+                      </a:r>
+                    </a:p>
+                  </a:txBody>
+                  <a:tcPr/>
+                </a:tc>
+                <a:tc>
+                  <a:txBody>
+                    <a:bodyPr/>
+                    <a:lstStyle/>
+                    <a:p>
+                      <a:r>
+                        <a:t>1.4330703861111111</a:t>
                       </a:r>
                     </a:p>
                   </a:txBody>
@@ -4273,19 +4273,19 @@
                     <a:lstStyle/>
                     <a:p>
                       <a:r>
-                        <a:t>Total energy charged in kWh</a:t>
-                      </a:r>
-                    </a:p>
-                  </a:txBody>
-                  <a:tcPr/>
-                </a:tc>
-                <a:tc>
-                  <a:txBody>
-                    <a:bodyPr/>
-                    <a:lstStyle/>
-                    <a:p>
-                      <a:r>
-                        <a:t>0.14332101147222223</a:t>
+                        <a:t>Electricity consumption units(kW)</a:t>
+                      </a:r>
+                    </a:p>
+                  </a:txBody>
+                  <a:tcPr/>
+                </a:tc>
+                <a:tc>
+                  <a:txBody>
+                    <a:bodyPr/>
+                    <a:lstStyle/>
+                    <a:p>
+                      <a:r>
+                        <a:t>1.3326920229430413e-07</a:t>
                       </a:r>
                     </a:p>
                   </a:txBody>
@@ -4299,19 +4299,19 @@
                     <a:lstStyle/>
                     <a:p>
                       <a:r>
-                        <a:t>Electricity consumption units in kW</a:t>
-                      </a:r>
-                    </a:p>
-                  </a:txBody>
-                  <a:tcPr/>
-                </a:tc>
-                <a:tc>
-                  <a:txBody>
-                    <a:bodyPr/>
-                    <a:lstStyle/>
-                    <a:p>
-                      <a:r>
-                        <a:t>1.3213206795757479e-08</a:t>
+                        <a:t>Idling time percentage</a:t>
+                      </a:r>
+                    </a:p>
+                  </a:txBody>
+                  <a:tcPr/>
+                </a:tc>
+                <a:tc>
+                  <a:txBody>
+                    <a:bodyPr/>
+                    <a:lstStyle/>
+                    <a:p>
+                      <a:r>
+                        <a:t>22.97697910185558</a:t>
                       </a:r>
                     </a:p>
                   </a:txBody>
@@ -4325,19 +4325,19 @@
                     <a:lstStyle/>
                     <a:p>
                       <a:r>
-                        <a:t>Idling time percentage</a:t>
-                      </a:r>
-                    </a:p>
-                  </a:txBody>
-                  <a:tcPr/>
-                </a:tc>
-                <a:tc>
-                  <a:txBody>
-                    <a:bodyPr/>
-                    <a:lstStyle/>
-                    <a:p>
-                      <a:r>
-                        <a:t>23.570573945832276</a:t>
+                        <a:t>Time spent in 0-10 km/h</a:t>
+                      </a:r>
+                    </a:p>
+                  </a:txBody>
+                  <a:tcPr/>
+                </a:tc>
+                <a:tc>
+                  <a:txBody>
+                    <a:bodyPr/>
+                    <a:lstStyle/>
+                    <a:p>
+                      <a:r>
+                        <a:t>11.894740694652857</a:t>
                       </a:r>
                     </a:p>
                   </a:txBody>
@@ -4351,19 +4351,19 @@
                     <a:lstStyle/>
                     <a:p>
                       <a:r>
-                        <a:t>Time spent in 0-10 km/h</a:t>
-                      </a:r>
-                    </a:p>
-                  </a:txBody>
-                  <a:tcPr/>
-                </a:tc>
-                <a:tc>
-                  <a:txBody>
-                    <a:bodyPr/>
-                    <a:lstStyle/>
-                    <a:p>
-                      <a:r>
-                        <a:t>35.470069975707915</a:t>
+                        <a:t>Time spent in 10-20 km/h</a:t>
+                      </a:r>
+                    </a:p>
+                  </a:txBody>
+                  <a:tcPr/>
+                </a:tc>
+                <a:tc>
+                  <a:txBody>
+                    <a:bodyPr/>
+                    <a:lstStyle/>
+                    <a:p>
+                      <a:r>
+                        <a:t>5.387402554624309</a:t>
                       </a:r>
                     </a:p>
                   </a:txBody>
@@ -4377,19 +4377,19 @@
                     <a:lstStyle/>
                     <a:p>
                       <a:r>
-                        <a:t>Time spent in 10-20 km/h</a:t>
-                      </a:r>
-                    </a:p>
-                  </a:txBody>
-                  <a:tcPr/>
-                </a:tc>
-                <a:tc>
-                  <a:txBody>
-                    <a:bodyPr/>
-                    <a:lstStyle/>
-                    <a:p>
-                      <a:r>
-                        <a:t>5.337007360139226</a:t>
+                        <a:t>Time spent in 20-30 km/h</a:t>
+                      </a:r>
+                    </a:p>
+                  </a:txBody>
+                  <a:tcPr/>
+                </a:tc>
+                <a:tc>
+                  <a:txBody>
+                    <a:bodyPr/>
+                    <a:lstStyle/>
+                    <a:p>
+                      <a:r>
+                        <a:t>6.887969842257438</a:t>
                       </a:r>
                     </a:p>
                   </a:txBody>
@@ -4403,19 +4403,19 @@
                     <a:lstStyle/>
                     <a:p>
                       <a:r>
-                        <a:t>Time spent in 20-30 km/h</a:t>
-                      </a:r>
-                    </a:p>
-                  </a:txBody>
-                  <a:tcPr/>
-                </a:tc>
-                <a:tc>
-                  <a:txBody>
-                    <a:bodyPr/>
-                    <a:lstStyle/>
-                    <a:p>
-                      <a:r>
-                        <a:t>6.834414995830464</a:t>
+                        <a:t>Time spent in 30-40 km/h</a:t>
+                      </a:r>
+                    </a:p>
+                  </a:txBody>
+                  <a:tcPr/>
+                </a:tc>
+                <a:tc>
+                  <a:txBody>
+                    <a:bodyPr/>
+                    <a:lstStyle/>
+                    <a:p>
+                      <a:r>
+                        <a:t>10.7638253486074</a:t>
                       </a:r>
                     </a:p>
                   </a:txBody>
@@ -4429,19 +4429,19 @@
                     <a:lstStyle/>
                     <a:p>
                       <a:r>
-                        <a:t>Time spent in 30-40 km/h</a:t>
-                      </a:r>
-                    </a:p>
-                  </a:txBody>
-                  <a:tcPr/>
-                </a:tc>
-                <a:tc>
-                  <a:txBody>
-                    <a:bodyPr/>
-                    <a:lstStyle/>
-                    <a:p>
-                      <a:r>
-                        <a:t>10.674014720278452</a:t>
+                        <a:t>Time spent in 40-50 km/h</a:t>
+                      </a:r>
+                    </a:p>
+                  </a:txBody>
+                  <a:tcPr/>
+                </a:tc>
+                <a:tc>
+                  <a:txBody>
+                    <a:bodyPr/>
+                    <a:lstStyle/>
+                    <a:p>
+                      <a:r>
+                        <a:t>11.133477290195074</a:t>
                       </a:r>
                     </a:p>
                   </a:txBody>
@@ -4546,19 +4546,19 @@
                     <a:lstStyle/>
                     <a:p>
                       <a:r>
-                        <a:t>Time spent in 40-50 km/h</a:t>
-                      </a:r>
-                    </a:p>
-                  </a:txBody>
-                  <a:tcPr/>
-                </a:tc>
-                <a:tc>
-                  <a:txBody>
-                    <a:bodyPr/>
-                    <a:lstStyle/>
-                    <a:p>
-                      <a:r>
-                        <a:t>11.04020883941844</a:t>
+                        <a:t>Time spent in 50-60 km/h</a:t>
+                      </a:r>
+                    </a:p>
+                  </a:txBody>
+                  <a:tcPr/>
+                </a:tc>
+                <a:tc>
+                  <a:txBody>
+                    <a:bodyPr/>
+                    <a:lstStyle/>
+                    <a:p>
+                      <a:r>
+                        <a:t>13.534384950408082</a:t>
                       </a:r>
                     </a:p>
                   </a:txBody>
@@ -4572,19 +4572,19 @@
                     <a:lstStyle/>
                     <a:p>
                       <a:r>
-                        <a:t>Time spent in 50-60 km/h</a:t>
-                      </a:r>
-                    </a:p>
-                  </a:txBody>
-                  <a:tcPr/>
-                </a:tc>
-                <a:tc>
-                  <a:txBody>
-                    <a:bodyPr/>
-                    <a:lstStyle/>
-                    <a:p>
-                      <a:r>
-                        <a:t>13.41503208730648</a:t>
+                        <a:t>Time spent in 60-70 km/h</a:t>
+                      </a:r>
+                    </a:p>
+                  </a:txBody>
+                  <a:tcPr/>
+                </a:tc>
+                <a:tc>
+                  <a:txBody>
+                    <a:bodyPr/>
+                    <a:lstStyle/>
+                    <a:p>
+                      <a:r>
+                        <a:t>15.488782344544887</a:t>
                       </a:r>
                     </a:p>
                   </a:txBody>
@@ -4598,19 +4598,19 @@
                     <a:lstStyle/>
                     <a:p>
                       <a:r>
-                        <a:t>Time spent in 60-70 km/h</a:t>
-                      </a:r>
-                    </a:p>
-                  </a:txBody>
-                  <a:tcPr/>
-                </a:tc>
-                <a:tc>
-                  <a:txBody>
-                    <a:bodyPr/>
-                    <a:lstStyle/>
-                    <a:p>
-                      <a:r>
-                        <a:t>15.394655741271166</a:t>
+                        <a:t>Time spent in 70-80 km/h</a:t>
+                      </a:r>
+                    </a:p>
+                  </a:txBody>
+                  <a:tcPr/>
+                </a:tc>
+                <a:tc>
+                  <a:txBody>
+                    <a:bodyPr/>
+                    <a:lstStyle/>
+                    <a:p>
+                      <a:r>
+                        <a:t>1.8299601068696703</a:t>
                       </a:r>
                     </a:p>
                   </a:txBody>
@@ -4622,15 +4622,23 @@
                   <a:txBody>
                     <a:bodyPr/>
                     <a:lstStyle/>
-                    <a:p/>
-                  </a:txBody>
-                  <a:tcPr/>
-                </a:tc>
-                <a:tc>
-                  <a:txBody>
-                    <a:bodyPr/>
-                    <a:lstStyle/>
-                    <a:p/>
+                    <a:p>
+                      <a:r>
+                        <a:t>Time spent in 80-90 km/h</a:t>
+                      </a:r>
+                    </a:p>
+                  </a:txBody>
+                  <a:tcPr/>
+                </a:tc>
+                <a:tc>
+                  <a:txBody>
+                    <a:bodyPr/>
+                    <a:lstStyle/>
+                    <a:p>
+                      <a:r>
+                        <a:t>0.0</a:t>
+                      </a:r>
+                    </a:p>
                   </a:txBody>
                   <a:tcPr/>
                 </a:tc>

--- a/Automationdashboard/MAIN_FOLDER/Automation_Dashboard_Batterywise/V2/D11_03_2024/B4_BT06_13.03_13.56/analysis_B4_BT06_13.03_13.56.pptx
+++ b/Automationdashboard/MAIN_FOLDER/Automation_Dashboard_Batterywise/V2/D11_03_2024/B4_BT06_13.03_13.56/analysis_B4_BT06_13.03_13.56.pptx
@@ -3234,6 +3234,32 @@
                     <a:lstStyle/>
                     <a:p>
                       <a:r>
+                        <a:t>Date and Time</a:t>
+                      </a:r>
+                    </a:p>
+                  </a:txBody>
+                  <a:tcPr/>
+                </a:tc>
+                <a:tc>
+                  <a:txBody>
+                    <a:bodyPr/>
+                    <a:lstStyle/>
+                    <a:p>
+                      <a:r>
+                        <a:t>2024-03-11 13:06:03.902000 to 2024-03-11 13:56:16.218000</a:t>
+                      </a:r>
+                    </a:p>
+                  </a:txBody>
+                  <a:tcPr/>
+                </a:tc>
+              </a:tr>
+              <a:tr h="326571">
+                <a:tc>
+                  <a:txBody>
+                    <a:bodyPr/>
+                    <a:lstStyle/>
+                    <a:p>
+                      <a:r>
                         <a:t>Total time taken for the ride</a:t>
                       </a:r>
                     </a:p>
@@ -3376,6 +3402,32 @@
                     <a:lstStyle/>
                     <a:p>
                       <a:r>
+                        <a:t>95.0</a:t>
+                      </a:r>
+                    </a:p>
+                  </a:txBody>
+                  <a:tcPr/>
+                </a:tc>
+              </a:tr>
+              <a:tr h="326571">
+                <a:tc>
+                  <a:txBody>
+                    <a:bodyPr/>
+                    <a:lstStyle/>
+                    <a:p>
+                      <a:r>
+                        <a:t>Ending SoC (%)</a:t>
+                      </a:r>
+                    </a:p>
+                  </a:txBody>
+                  <a:tcPr/>
+                </a:tc>
+                <a:tc>
+                  <a:txBody>
+                    <a:bodyPr/>
+                    <a:lstStyle/>
+                    <a:p>
+                      <a:r>
                         <a:t>25.0</a:t>
                       </a:r>
                     </a:p>
@@ -3390,19 +3442,19 @@
                     <a:lstStyle/>
                     <a:p>
                       <a:r>
-                        <a:t>Ending SoC (%)</a:t>
-                      </a:r>
-                    </a:p>
-                  </a:txBody>
-                  <a:tcPr/>
-                </a:tc>
-                <a:tc>
-                  <a:txBody>
-                    <a:bodyPr/>
-                    <a:lstStyle/>
-                    <a:p>
-                      <a:r>
-                        <a:t>95.0</a:t>
+                        <a:t>Total distance covered (km)</a:t>
+                      </a:r>
+                    </a:p>
+                  </a:txBody>
+                  <a:tcPr/>
+                </a:tc>
+                <a:tc>
+                  <a:txBody>
+                    <a:bodyPr/>
+                    <a:lstStyle/>
+                    <a:p>
+                      <a:r>
+                        <a:t>26.02395091125489</a:t>
                       </a:r>
                     </a:p>
                   </a:txBody>
@@ -3416,19 +3468,19 @@
                     <a:lstStyle/>
                     <a:p>
                       <a:r>
-                        <a:t>Total distance covered (in kilometers)</a:t>
-                      </a:r>
-                    </a:p>
-                  </a:txBody>
-                  <a:tcPr/>
-                </a:tc>
-                <a:tc>
-                  <a:txBody>
-                    <a:bodyPr/>
-                    <a:lstStyle/>
-                    <a:p>
-                      <a:r>
-                        <a:t>26.02395091125489</a:t>
+                        <a:t>Total energy consumption(WH/KM)</a:t>
+                      </a:r>
+                    </a:p>
+                  </a:txBody>
+                  <a:tcPr/>
+                </a:tc>
+                <a:tc>
+                  <a:txBody>
+                    <a:bodyPr/>
+                    <a:lstStyle/>
+                    <a:p>
+                      <a:r>
+                        <a:t>52.575327187848046</a:t>
                       </a:r>
                     </a:p>
                   </a:txBody>
@@ -3442,19 +3494,19 @@
                     <a:lstStyle/>
                     <a:p>
                       <a:r>
-                        <a:t>WH/KM</a:t>
-                      </a:r>
-                    </a:p>
-                  </a:txBody>
-                  <a:tcPr/>
-                </a:tc>
-                <a:tc>
-                  <a:txBody>
-                    <a:bodyPr/>
-                    <a:lstStyle/>
-                    <a:p>
-                      <a:r>
-                        <a:t>52.575327187848046</a:t>
+                        <a:t>Total SOC consumed(%)</a:t>
+                      </a:r>
+                    </a:p>
+                  </a:txBody>
+                  <a:tcPr/>
+                </a:tc>
+                <a:tc>
+                  <a:txBody>
+                    <a:bodyPr/>
+                    <a:lstStyle/>
+                    <a:p>
+                      <a:r>
+                        <a:t>70.0</a:t>
                       </a:r>
                     </a:p>
                   </a:txBody>
@@ -3468,32 +3520,6 @@
                     <a:lstStyle/>
                     <a:p>
                       <a:r>
-                        <a:t>Total SOC consumed</a:t>
-                      </a:r>
-                    </a:p>
-                  </a:txBody>
-                  <a:tcPr/>
-                </a:tc>
-                <a:tc>
-                  <a:txBody>
-                    <a:bodyPr/>
-                    <a:lstStyle/>
-                    <a:p>
-                      <a:r>
-                        <a:t>70.0</a:t>
-                      </a:r>
-                    </a:p>
-                  </a:txBody>
-                  <a:tcPr/>
-                </a:tc>
-              </a:tr>
-              <a:tr h="326571">
-                <a:tc>
-                  <a:txBody>
-                    <a:bodyPr/>
-                    <a:lstStyle/>
-                    <a:p>
-                      <a:r>
                         <a:t>Mode</a:t>
                       </a:r>
                     </a:p>
@@ -3538,14 +3564,14 @@
                   <a:tcPr/>
                 </a:tc>
               </a:tr>
-              <a:tr h="326571">
-                <a:tc>
-                  <a:txBody>
-                    <a:bodyPr/>
-                    <a:lstStyle/>
-                    <a:p>
-                      <a:r>
-                        <a:t>Peak Power</a:t>
+              <a:tr h="326577">
+                <a:tc>
+                  <a:txBody>
+                    <a:bodyPr/>
+                    <a:lstStyle/>
+                    <a:p>
+                      <a:r>
+                        <a:t>Peak Power(kW)</a:t>
                       </a:r>
                     </a:p>
                   </a:txBody>
@@ -3558,32 +3584,6 @@
                     <a:p>
                       <a:r>
                         <a:t>5454.527923</a:t>
-                      </a:r>
-                    </a:p>
-                  </a:txBody>
-                  <a:tcPr/>
-                </a:tc>
-              </a:tr>
-              <a:tr h="326577">
-                <a:tc>
-                  <a:txBody>
-                    <a:bodyPr/>
-                    <a:lstStyle/>
-                    <a:p>
-                      <a:r>
-                        <a:t>Average Power</a:t>
-                      </a:r>
-                    </a:p>
-                  </a:txBody>
-                  <a:tcPr/>
-                </a:tc>
-                <a:tc>
-                  <a:txBody>
-                    <a:bodyPr/>
-                    <a:lstStyle/>
-                    <a:p>
-                      <a:r>
-                        <a:t>-1637.4946283134973</a:t>
                       </a:r>
                     </a:p>
                   </a:txBody>
@@ -3688,7 +3688,33 @@
                     <a:lstStyle/>
                     <a:p>
                       <a:r>
-                        <a:t>Total Energy Regenerated</a:t>
+                        <a:t>Average Power(kW)</a:t>
+                      </a:r>
+                    </a:p>
+                  </a:txBody>
+                  <a:tcPr/>
+                </a:tc>
+                <a:tc>
+                  <a:txBody>
+                    <a:bodyPr/>
+                    <a:lstStyle/>
+                    <a:p>
+                      <a:r>
+                        <a:t>-1637.4946283134973</a:t>
+                      </a:r>
+                    </a:p>
+                  </a:txBody>
+                  <a:tcPr/>
+                </a:tc>
+              </a:tr>
+              <a:tr h="326571">
+                <a:tc>
+                  <a:txBody>
+                    <a:bodyPr/>
+                    <a:lstStyle/>
+                    <a:p>
+                      <a:r>
+                        <a:t>Total Energy Regenerated(kWh)</a:t>
                       </a:r>
                     </a:p>
                   </a:txBody>
@@ -3714,19 +3740,19 @@
                     <a:lstStyle/>
                     <a:p>
                       <a:r>
-                        <a:t>Regenerative Effectiveness</a:t>
-                      </a:r>
-                    </a:p>
-                  </a:txBody>
-                  <a:tcPr/>
-                </a:tc>
-                <a:tc>
-                  <a:txBody>
-                    <a:bodyPr/>
-                    <a:lstStyle/>
-                    <a:p>
-                      <a:r>
-                        <a:t>-0.044290520932789554</a:t>
+                        <a:t>Regenerative Effectiveness(%)</a:t>
+                      </a:r>
+                    </a:p>
+                  </a:txBody>
+                  <a:tcPr/>
+                </a:tc>
+                <a:tc>
+                  <a:txBody>
+                    <a:bodyPr/>
+                    <a:lstStyle/>
+                    <a:p>
+                      <a:r>
+                        <a:t>0.044290520932789554</a:t>
                       </a:r>
                     </a:p>
                   </a:txBody>
@@ -3740,7 +3766,33 @@
                     <a:lstStyle/>
                     <a:p>
                       <a:r>
-                        <a:t>Lowest Cell Voltage</a:t>
+                        <a:t>Highest Cell Voltage(V)</a:t>
+                      </a:r>
+                    </a:p>
+                  </a:txBody>
+                  <a:tcPr/>
+                </a:tc>
+                <a:tc>
+                  <a:txBody>
+                    <a:bodyPr/>
+                    <a:lstStyle/>
+                    <a:p>
+                      <a:r>
+                        <a:t>3.345</a:t>
+                      </a:r>
+                    </a:p>
+                  </a:txBody>
+                  <a:tcPr/>
+                </a:tc>
+              </a:tr>
+              <a:tr h="326571">
+                <a:tc>
+                  <a:txBody>
+                    <a:bodyPr/>
+                    <a:lstStyle/>
+                    <a:p>
+                      <a:r>
+                        <a:t>Lowest Cell Voltage(V)</a:t>
                       </a:r>
                     </a:p>
                   </a:txBody>
@@ -3766,19 +3818,19 @@
                     <a:lstStyle/>
                     <a:p>
                       <a:r>
-                        <a:t>Highest Cell Voltage</a:t>
-                      </a:r>
-                    </a:p>
-                  </a:txBody>
-                  <a:tcPr/>
-                </a:tc>
-                <a:tc>
-                  <a:txBody>
-                    <a:bodyPr/>
-                    <a:lstStyle/>
-                    <a:p>
-                      <a:r>
-                        <a:t>3.345</a:t>
+                        <a:t>Difference in Cell Voltage(V)</a:t>
+                      </a:r>
+                    </a:p>
+                  </a:txBody>
+                  <a:tcPr/>
+                </a:tc>
+                <a:tc>
+                  <a:txBody>
+                    <a:bodyPr/>
+                    <a:lstStyle/>
+                    <a:p>
+                      <a:r>
+                        <a:t>0.3450000000000002</a:t>
                       </a:r>
                     </a:p>
                   </a:txBody>
@@ -3792,19 +3844,19 @@
                     <a:lstStyle/>
                     <a:p>
                       <a:r>
-                        <a:t>Difference in Cell Voltage</a:t>
-                      </a:r>
-                    </a:p>
-                  </a:txBody>
-                  <a:tcPr/>
-                </a:tc>
-                <a:tc>
-                  <a:txBody>
-                    <a:bodyPr/>
-                    <a:lstStyle/>
-                    <a:p>
-                      <a:r>
-                        <a:t>0.3450000000000002</a:t>
+                        <a:t>Minimum Temperature(C)</a:t>
+                      </a:r>
+                    </a:p>
+                  </a:txBody>
+                  <a:tcPr/>
+                </a:tc>
+                <a:tc>
+                  <a:txBody>
+                    <a:bodyPr/>
+                    <a:lstStyle/>
+                    <a:p>
+                      <a:r>
+                        <a:t>37.0</a:t>
                       </a:r>
                     </a:p>
                   </a:txBody>
@@ -3818,19 +3870,19 @@
                     <a:lstStyle/>
                     <a:p>
                       <a:r>
-                        <a:t>Minimum Temperature</a:t>
-                      </a:r>
-                    </a:p>
-                  </a:txBody>
-                  <a:tcPr/>
-                </a:tc>
-                <a:tc>
-                  <a:txBody>
-                    <a:bodyPr/>
-                    <a:lstStyle/>
-                    <a:p>
-                      <a:r>
-                        <a:t>37.0</a:t>
+                        <a:t>Maximum Temperature(C)</a:t>
+                      </a:r>
+                    </a:p>
+                  </a:txBody>
+                  <a:tcPr/>
+                </a:tc>
+                <a:tc>
+                  <a:txBody>
+                    <a:bodyPr/>
+                    <a:lstStyle/>
+                    <a:p>
+                      <a:r>
+                        <a:t>47.0</a:t>
                       </a:r>
                     </a:p>
                   </a:txBody>
@@ -3844,19 +3896,19 @@
                     <a:lstStyle/>
                     <a:p>
                       <a:r>
-                        <a:t>Maximum Temperature</a:t>
-                      </a:r>
-                    </a:p>
-                  </a:txBody>
-                  <a:tcPr/>
-                </a:tc>
-                <a:tc>
-                  <a:txBody>
-                    <a:bodyPr/>
-                    <a:lstStyle/>
-                    <a:p>
-                      <a:r>
-                        <a:t>47.0</a:t>
+                        <a:t>Difference in Temperature(C)</a:t>
+                      </a:r>
+                    </a:p>
+                  </a:txBody>
+                  <a:tcPr/>
+                </a:tc>
+                <a:tc>
+                  <a:txBody>
+                    <a:bodyPr/>
+                    <a:lstStyle/>
+                    <a:p>
+                      <a:r>
+                        <a:t>10.0</a:t>
                       </a:r>
                     </a:p>
                   </a:txBody>
@@ -3870,19 +3922,19 @@
                     <a:lstStyle/>
                     <a:p>
                       <a:r>
-                        <a:t>Difference in Temperature</a:t>
-                      </a:r>
-                    </a:p>
-                  </a:txBody>
-                  <a:tcPr/>
-                </a:tc>
-                <a:tc>
-                  <a:txBody>
-                    <a:bodyPr/>
-                    <a:lstStyle/>
-                    <a:p>
-                      <a:r>
-                        <a:t>nan</a:t>
+                        <a:t>Maximum Fet Temperature-BMS(C)</a:t>
+                      </a:r>
+                    </a:p>
+                  </a:txBody>
+                  <a:tcPr/>
+                </a:tc>
+                <a:tc>
+                  <a:txBody>
+                    <a:bodyPr/>
+                    <a:lstStyle/>
+                    <a:p>
+                      <a:r>
+                        <a:t>70.0</a:t>
                       </a:r>
                     </a:p>
                   </a:txBody>
@@ -3896,19 +3948,19 @@
                     <a:lstStyle/>
                     <a:p>
                       <a:r>
-                        <a:t>Maximum Fet Temperature</a:t>
-                      </a:r>
-                    </a:p>
-                  </a:txBody>
-                  <a:tcPr/>
-                </a:tc>
-                <a:tc>
-                  <a:txBody>
-                    <a:bodyPr/>
-                    <a:lstStyle/>
-                    <a:p>
-                      <a:r>
-                        <a:t>70.0</a:t>
+                        <a:t>Maximum Afe Temperature-BMS(C)</a:t>
+                      </a:r>
+                    </a:p>
+                  </a:txBody>
+                  <a:tcPr/>
+                </a:tc>
+                <a:tc>
+                  <a:txBody>
+                    <a:bodyPr/>
+                    <a:lstStyle/>
+                    <a:p>
+                      <a:r>
+                        <a:t>65.0</a:t>
                       </a:r>
                     </a:p>
                   </a:txBody>
@@ -3922,33 +3974,7 @@
                     <a:lstStyle/>
                     <a:p>
                       <a:r>
-                        <a:t>Maximum Afe Temperature</a:t>
-                      </a:r>
-                    </a:p>
-                  </a:txBody>
-                  <a:tcPr/>
-                </a:tc>
-                <a:tc>
-                  <a:txBody>
-                    <a:bodyPr/>
-                    <a:lstStyle/>
-                    <a:p>
-                      <a:r>
-                        <a:t>65.0</a:t>
-                      </a:r>
-                    </a:p>
-                  </a:txBody>
-                  <a:tcPr/>
-                </a:tc>
-              </a:tr>
-              <a:tr h="326571">
-                <a:tc>
-                  <a:txBody>
-                    <a:bodyPr/>
-                    <a:lstStyle/>
-                    <a:p>
-                      <a:r>
-                        <a:t>Maximum PCB Temperature</a:t>
+                        <a:t>Maximum PCB Temperature-BMS(C)</a:t>
                       </a:r>
                     </a:p>
                   </a:txBody>
@@ -3967,14 +3993,14 @@
                   <a:tcPr/>
                 </a:tc>
               </a:tr>
-              <a:tr h="326571">
-                <a:tc>
-                  <a:txBody>
-                    <a:bodyPr/>
-                    <a:lstStyle/>
-                    <a:p>
-                      <a:r>
-                        <a:t>Maximum MCU Temperature</a:t>
+              <a:tr h="326577">
+                <a:tc>
+                  <a:txBody>
+                    <a:bodyPr/>
+                    <a:lstStyle/>
+                    <a:p>
+                      <a:r>
+                        <a:t>Maximum MCU Temperature(C)</a:t>
                       </a:r>
                     </a:p>
                   </a:txBody>
@@ -3987,32 +4013,6 @@
                     <a:p>
                       <a:r>
                         <a:t>68.0</a:t>
-                      </a:r>
-                    </a:p>
-                  </a:txBody>
-                  <a:tcPr/>
-                </a:tc>
-              </a:tr>
-              <a:tr h="326577">
-                <a:tc>
-                  <a:txBody>
-                    <a:bodyPr/>
-                    <a:lstStyle/>
-                    <a:p>
-                      <a:r>
-                        <a:t>Maximum Motor Temperature</a:t>
-                      </a:r>
-                    </a:p>
-                  </a:txBody>
-                  <a:tcPr/>
-                </a:tc>
-                <a:tc>
-                  <a:txBody>
-                    <a:bodyPr/>
-                    <a:lstStyle/>
-                    <a:p>
-                      <a:r>
-                        <a:t>99.0</a:t>
                       </a:r>
                     </a:p>
                   </a:txBody>
@@ -4117,7 +4117,33 @@
                     <a:lstStyle/>
                     <a:p>
                       <a:r>
-                        <a:t>Abnormal Motor Temperature Detected</a:t>
+                        <a:t>Maximum Motor Temperature(C)</a:t>
+                      </a:r>
+                    </a:p>
+                  </a:txBody>
+                  <a:tcPr/>
+                </a:tc>
+                <a:tc>
+                  <a:txBody>
+                    <a:bodyPr/>
+                    <a:lstStyle/>
+                    <a:p>
+                      <a:r>
+                        <a:t>99.0</a:t>
+                      </a:r>
+                    </a:p>
+                  </a:txBody>
+                  <a:tcPr/>
+                </a:tc>
+              </a:tr>
+              <a:tr h="326571">
+                <a:tc>
+                  <a:txBody>
+                    <a:bodyPr/>
+                    <a:lstStyle/>
+                    <a:p>
+                      <a:r>
+                        <a:t>Abnormal Motor Temperature Detected(C)</a:t>
                       </a:r>
                     </a:p>
                   </a:txBody>
@@ -4143,7 +4169,7 @@
                     <a:lstStyle/>
                     <a:p>
                       <a:r>
-                        <a:t>lowest cell temp</a:t>
+                        <a:t>highest cell temp(C)</a:t>
                       </a:r>
                     </a:p>
                   </a:txBody>
@@ -4169,7 +4195,7 @@
                     <a:lstStyle/>
                     <a:p>
                       <a:r>
-                        <a:t>highest cell temp</a:t>
+                        <a:t>lowest cell temp(C)</a:t>
                       </a:r>
                     </a:p>
                   </a:txBody>
@@ -4195,7 +4221,7 @@
                     <a:lstStyle/>
                     <a:p>
                       <a:r>
-                        <a:t>Difference between Highest and Lowest Cell Temperature at 100% SOC</a:t>
+                        <a:t>Difference between Highest and Lowest Cell Temperature at 100% SOC(C)</a:t>
                       </a:r>
                     </a:p>
                   </a:txBody>
@@ -4221,19 +4247,19 @@
                     <a:lstStyle/>
                     <a:p>
                       <a:r>
-                        <a:t>Maximum BMS Temperature in C</a:t>
-                      </a:r>
-                    </a:p>
-                  </a:txBody>
-                  <a:tcPr/>
-                </a:tc>
-                <a:tc>
-                  <a:txBody>
-                    <a:bodyPr/>
-                    <a:lstStyle/>
-                    <a:p>
-                      <a:r>
-                        <a:t>70.0</a:t>
+                        <a:t>Battery Voltage(V)</a:t>
+                      </a:r>
+                    </a:p>
+                  </a:txBody>
+                  <a:tcPr/>
+                </a:tc>
+                <a:tc>
+                  <a:txBody>
+                    <a:bodyPr/>
+                    <a:lstStyle/>
+                    <a:p>
+                      <a:r>
+                        <a:t>53.0</a:t>
                       </a:r>
                     </a:p>
                   </a:txBody>
@@ -4247,19 +4273,19 @@
                     <a:lstStyle/>
                     <a:p>
                       <a:r>
-                        <a:t>Battery Voltage</a:t>
-                      </a:r>
-                    </a:p>
-                  </a:txBody>
-                  <a:tcPr/>
-                </a:tc>
-                <a:tc>
-                  <a:txBody>
-                    <a:bodyPr/>
-                    <a:lstStyle/>
-                    <a:p>
-                      <a:r>
-                        <a:t>5.3</a:t>
+                        <a:t>Total energy charged(kWh)</a:t>
+                      </a:r>
+                    </a:p>
+                  </a:txBody>
+                  <a:tcPr/>
+                </a:tc>
+                <a:tc>
+                  <a:txBody>
+                    <a:bodyPr/>
+                    <a:lstStyle/>
+                    <a:p>
+                      <a:r>
+                        <a:t>1.4332101147222225</a:t>
                       </a:r>
                     </a:p>
                   </a:txBody>
@@ -4273,19 +4299,19 @@
                     <a:lstStyle/>
                     <a:p>
                       <a:r>
-                        <a:t>Total energy charged in kWh</a:t>
-                      </a:r>
-                    </a:p>
-                  </a:txBody>
-                  <a:tcPr/>
-                </a:tc>
-                <a:tc>
-                  <a:txBody>
-                    <a:bodyPr/>
-                    <a:lstStyle/>
-                    <a:p>
-                      <a:r>
-                        <a:t>0.14332101147222223</a:t>
+                        <a:t>Electricity consumption units(kW)</a:t>
+                      </a:r>
+                    </a:p>
+                  </a:txBody>
+                  <a:tcPr/>
+                </a:tc>
+                <a:tc>
+                  <a:txBody>
+                    <a:bodyPr/>
+                    <a:lstStyle/>
+                    <a:p>
+                      <a:r>
+                        <a:t>1.321320679575748e-07</a:t>
                       </a:r>
                     </a:p>
                   </a:txBody>
@@ -4299,19 +4325,19 @@
                     <a:lstStyle/>
                     <a:p>
                       <a:r>
-                        <a:t>Electricity consumption units in kW</a:t>
-                      </a:r>
-                    </a:p>
-                  </a:txBody>
-                  <a:tcPr/>
-                </a:tc>
-                <a:tc>
-                  <a:txBody>
-                    <a:bodyPr/>
-                    <a:lstStyle/>
-                    <a:p>
-                      <a:r>
-                        <a:t>1.3213206795757479e-08</a:t>
+                        <a:t>Cycle Count of battery</a:t>
+                      </a:r>
+                    </a:p>
+                  </a:txBody>
+                  <a:tcPr/>
+                </a:tc>
+                <a:tc>
+                  <a:txBody>
+                    <a:bodyPr/>
+                    <a:lstStyle/>
+                    <a:p>
+                      <a:r>
+                        <a:t>38.0</a:t>
                       </a:r>
                     </a:p>
                   </a:txBody>
@@ -4337,7 +4363,7 @@
                     <a:lstStyle/>
                     <a:p>
                       <a:r>
-                        <a:t>23.570573945832276</a:t>
+                        <a:t>23.58145099887604</a:t>
                       </a:r>
                     </a:p>
                   </a:txBody>
@@ -4363,7 +4389,7 @@
                     <a:lstStyle/>
                     <a:p>
                       <a:r>
-                        <a:t>35.470069975707915</a:t>
+                        <a:t>11.899496029875639</a:t>
                       </a:r>
                     </a:p>
                   </a:txBody>
@@ -4396,7 +4422,7 @@
                   <a:tcPr/>
                 </a:tc>
               </a:tr>
-              <a:tr h="326571">
+              <a:tr h="326577">
                 <a:tc>
                   <a:txBody>
                     <a:bodyPr/>
@@ -4415,33 +4441,7 @@
                     <a:lstStyle/>
                     <a:p>
                       <a:r>
-                        <a:t>6.834414995830464</a:t>
-                      </a:r>
-                    </a:p>
-                  </a:txBody>
-                  <a:tcPr/>
-                </a:tc>
-              </a:tr>
-              <a:tr h="326577">
-                <a:tc>
-                  <a:txBody>
-                    <a:bodyPr/>
-                    <a:lstStyle/>
-                    <a:p>
-                      <a:r>
-                        <a:t>Time spent in 30-40 km/h</a:t>
-                      </a:r>
-                    </a:p>
-                  </a:txBody>
-                  <a:tcPr/>
-                </a:tc>
-                <a:tc>
-                  <a:txBody>
-                    <a:bodyPr/>
-                    <a:lstStyle/>
-                    <a:p>
-                      <a:r>
-                        <a:t>10.674014720278452</a:t>
+                        <a:t>6.8235379427867</a:t>
                       </a:r>
                     </a:p>
                   </a:txBody>
@@ -4546,6 +4546,32 @@
                     <a:lstStyle/>
                     <a:p>
                       <a:r>
+                        <a:t>Time spent in 30-40 km/h</a:t>
+                      </a:r>
+                    </a:p>
+                  </a:txBody>
+                  <a:tcPr/>
+                </a:tc>
+                <a:tc>
+                  <a:txBody>
+                    <a:bodyPr/>
+                    <a:lstStyle/>
+                    <a:p>
+                      <a:r>
+                        <a:t>10.66313766723469</a:t>
+                      </a:r>
+                    </a:p>
+                  </a:txBody>
+                  <a:tcPr/>
+                </a:tc>
+              </a:tr>
+              <a:tr h="326571">
+                <a:tc>
+                  <a:txBody>
+                    <a:bodyPr/>
+                    <a:lstStyle/>
+                    <a:p>
+                      <a:r>
                         <a:t>Time spent in 40-50 km/h</a:t>
                       </a:r>
                     </a:p>
@@ -4558,7 +4584,7 @@
                     <a:lstStyle/>
                     <a:p>
                       <a:r>
-                        <a:t>11.04020883941844</a:t>
+                        <a:t>11.029331786374678</a:t>
                       </a:r>
                     </a:p>
                   </a:txBody>
@@ -4584,7 +4610,7 @@
                     <a:lstStyle/>
                     <a:p>
                       <a:r>
-                        <a:t>13.41503208730648</a:t>
+                        <a:t>13.407780718610637</a:t>
                       </a:r>
                     </a:p>
                   </a:txBody>
@@ -4610,7 +4636,7 @@
                     <a:lstStyle/>
                     <a:p>
                       <a:r>
-                        <a:t>15.394655741271166</a:t>
+                        <a:t>15.343896160400275</a:t>
                       </a:r>
                     </a:p>
                   </a:txBody>
@@ -4622,15 +4648,23 @@
                   <a:txBody>
                     <a:bodyPr/>
                     <a:lstStyle/>
-                    <a:p/>
-                  </a:txBody>
-                  <a:tcPr/>
-                </a:tc>
-                <a:tc>
-                  <a:txBody>
-                    <a:bodyPr/>
-                    <a:lstStyle/>
-                    <a:p/>
+                    <a:p>
+                      <a:r>
+                        <a:t>Time spent in 70-80 km/h</a:t>
+                      </a:r>
+                    </a:p>
+                  </a:txBody>
+                  <a:tcPr/>
+                </a:tc>
+                <a:tc>
+                  <a:txBody>
+                    <a:bodyPr/>
+                    <a:lstStyle/>
+                    <a:p>
+                      <a:r>
+                        <a:t>1.8128421739603349</a:t>
+                      </a:r>
+                    </a:p>
                   </a:txBody>
                   <a:tcPr/>
                 </a:tc>
@@ -4640,33 +4674,23 @@
                   <a:txBody>
                     <a:bodyPr/>
                     <a:lstStyle/>
-                    <a:p/>
-                  </a:txBody>
-                  <a:tcPr/>
-                </a:tc>
-                <a:tc>
-                  <a:txBody>
-                    <a:bodyPr/>
-                    <a:lstStyle/>
-                    <a:p/>
-                  </a:txBody>
-                  <a:tcPr/>
-                </a:tc>
-              </a:tr>
-              <a:tr h="326571">
-                <a:tc>
-                  <a:txBody>
-                    <a:bodyPr/>
-                    <a:lstStyle/>
-                    <a:p/>
-                  </a:txBody>
-                  <a:tcPr/>
-                </a:tc>
-                <a:tc>
-                  <a:txBody>
-                    <a:bodyPr/>
-                    <a:lstStyle/>
-                    <a:p/>
+                    <a:p>
+                      <a:r>
+                        <a:t>Time spent in 80-90 km/h</a:t>
+                      </a:r>
+                    </a:p>
+                  </a:txBody>
+                  <a:tcPr/>
+                </a:tc>
+                <a:tc>
+                  <a:txBody>
+                    <a:bodyPr/>
+                    <a:lstStyle/>
+                    <a:p>
+                      <a:r>
+                        <a:t>0.0</a:t>
+                      </a:r>
+                    </a:p>
                   </a:txBody>
                   <a:tcPr/>
                 </a:tc>
